--- a/Docs/AgI - Update.pptx
+++ b/Docs/AgI - Update.pptx
@@ -11,7 +11,12 @@
     <p:sldId id="260" r:id="rId5"/>
     <p:sldId id="267" r:id="rId6"/>
     <p:sldId id="268" r:id="rId7"/>
-    <p:sldId id="269" r:id="rId8"/>
+    <p:sldId id="273" r:id="rId8"/>
+    <p:sldId id="271" r:id="rId9"/>
+    <p:sldId id="272" r:id="rId10"/>
+    <p:sldId id="270" r:id="rId11"/>
+    <p:sldId id="274" r:id="rId12"/>
+    <p:sldId id="269" r:id="rId13"/>
   </p:sldIdLst>
   <p:sldSz cx="9144000" cy="6858000" type="screen4x3"/>
   <p:notesSz cx="6858000" cy="9144000"/>
@@ -112,7 +117,7 @@
   </p:defaultTextStyle>
   <p:extLst>
     <p:ext uri="{EFAFB233-063F-42B5-8137-9DF3F51BA10A}">
-      <p15:sldGuideLst xmlns:p15="http://schemas.microsoft.com/office/powerpoint/2012/main" xmlns="">
+      <p15:sldGuideLst xmlns:p15="http://schemas.microsoft.com/office/powerpoint/2012/main">
         <p15:guide id="1" orient="horz" pos="2160">
           <p15:clr>
             <a:srgbClr val="A4A3A4"/>
@@ -308,7 +313,7 @@
           <a:p>
             <a:fld id="{BBBAD476-684B-4D31-93B5-9B6D5ACF6498}" type="datetimeFigureOut">
               <a:rPr lang="en-US" smtClean="0"/>
-              <a:t>3/31/2017</a:t>
+              <a:t>4/2/2017</a:t>
             </a:fld>
             <a:endParaRPr lang="en-US"/>
           </a:p>
@@ -476,7 +481,7 @@
           <a:p>
             <a:fld id="{BBBAD476-684B-4D31-93B5-9B6D5ACF6498}" type="datetimeFigureOut">
               <a:rPr lang="en-US" smtClean="0"/>
-              <a:t>3/31/2017</a:t>
+              <a:t>4/2/2017</a:t>
             </a:fld>
             <a:endParaRPr lang="en-US"/>
           </a:p>
@@ -654,7 +659,7 @@
           <a:p>
             <a:fld id="{BBBAD476-684B-4D31-93B5-9B6D5ACF6498}" type="datetimeFigureOut">
               <a:rPr lang="en-US" smtClean="0"/>
-              <a:t>3/31/2017</a:t>
+              <a:t>4/2/2017</a:t>
             </a:fld>
             <a:endParaRPr lang="en-US"/>
           </a:p>
@@ -822,7 +827,7 @@
           <a:p>
             <a:fld id="{BBBAD476-684B-4D31-93B5-9B6D5ACF6498}" type="datetimeFigureOut">
               <a:rPr lang="en-US" smtClean="0"/>
-              <a:t>3/31/2017</a:t>
+              <a:t>4/2/2017</a:t>
             </a:fld>
             <a:endParaRPr lang="en-US"/>
           </a:p>
@@ -1067,7 +1072,7 @@
           <a:p>
             <a:fld id="{BBBAD476-684B-4D31-93B5-9B6D5ACF6498}" type="datetimeFigureOut">
               <a:rPr lang="en-US" smtClean="0"/>
-              <a:t>3/31/2017</a:t>
+              <a:t>4/2/2017</a:t>
             </a:fld>
             <a:endParaRPr lang="en-US"/>
           </a:p>
@@ -1352,7 +1357,7 @@
           <a:p>
             <a:fld id="{BBBAD476-684B-4D31-93B5-9B6D5ACF6498}" type="datetimeFigureOut">
               <a:rPr lang="en-US" smtClean="0"/>
-              <a:t>3/31/2017</a:t>
+              <a:t>4/2/2017</a:t>
             </a:fld>
             <a:endParaRPr lang="en-US"/>
           </a:p>
@@ -1771,7 +1776,7 @@
           <a:p>
             <a:fld id="{BBBAD476-684B-4D31-93B5-9B6D5ACF6498}" type="datetimeFigureOut">
               <a:rPr lang="en-US" smtClean="0"/>
-              <a:t>3/31/2017</a:t>
+              <a:t>4/2/2017</a:t>
             </a:fld>
             <a:endParaRPr lang="en-US"/>
           </a:p>
@@ -1888,7 +1893,7 @@
           <a:p>
             <a:fld id="{BBBAD476-684B-4D31-93B5-9B6D5ACF6498}" type="datetimeFigureOut">
               <a:rPr lang="en-US" smtClean="0"/>
-              <a:t>3/31/2017</a:t>
+              <a:t>4/2/2017</a:t>
             </a:fld>
             <a:endParaRPr lang="en-US"/>
           </a:p>
@@ -1983,7 +1988,7 @@
           <a:p>
             <a:fld id="{BBBAD476-684B-4D31-93B5-9B6D5ACF6498}" type="datetimeFigureOut">
               <a:rPr lang="en-US" smtClean="0"/>
-              <a:t>3/31/2017</a:t>
+              <a:t>4/2/2017</a:t>
             </a:fld>
             <a:endParaRPr lang="en-US"/>
           </a:p>
@@ -2258,7 +2263,7 @@
           <a:p>
             <a:fld id="{BBBAD476-684B-4D31-93B5-9B6D5ACF6498}" type="datetimeFigureOut">
               <a:rPr lang="en-US" smtClean="0"/>
-              <a:t>3/31/2017</a:t>
+              <a:t>4/2/2017</a:t>
             </a:fld>
             <a:endParaRPr lang="en-US"/>
           </a:p>
@@ -2510,7 +2515,7 @@
           <a:p>
             <a:fld id="{BBBAD476-684B-4D31-93B5-9B6D5ACF6498}" type="datetimeFigureOut">
               <a:rPr lang="en-US" smtClean="0"/>
-              <a:t>3/31/2017</a:t>
+              <a:t>4/2/2017</a:t>
             </a:fld>
             <a:endParaRPr lang="en-US"/>
           </a:p>
@@ -2721,7 +2726,7 @@
           <a:p>
             <a:fld id="{BBBAD476-684B-4D31-93B5-9B6D5ACF6498}" type="datetimeFigureOut">
               <a:rPr lang="en-US" smtClean="0"/>
-              <a:t>3/31/2017</a:t>
+              <a:t>4/2/2017</a:t>
             </a:fld>
             <a:endParaRPr lang="en-US"/>
           </a:p>
@@ -3169,6 +3174,479 @@
 </p:sld>
 </file>
 
+<file path=ppt/slides/slide10.xml><?xml version="1.0" encoding="utf-8"?>
+<p:sld xmlns:a="http://schemas.openxmlformats.org/drawingml/2006/main" xmlns:r="http://schemas.openxmlformats.org/officeDocument/2006/relationships" xmlns:p="http://schemas.openxmlformats.org/presentationml/2006/main">
+  <p:cSld>
+    <p:spTree>
+      <p:nvGrpSpPr>
+        <p:cNvPr id="1" name=""/>
+        <p:cNvGrpSpPr/>
+        <p:nvPr/>
+      </p:nvGrpSpPr>
+      <p:grpSpPr>
+        <a:xfrm>
+          <a:off x="0" y="0"/>
+          <a:ext cx="0" cy="0"/>
+          <a:chOff x="0" y="0"/>
+          <a:chExt cx="0" cy="0"/>
+        </a:xfrm>
+      </p:grpSpPr>
+      <p:sp>
+        <p:nvSpPr>
+          <p:cNvPr id="2" name="Title 1"/>
+          <p:cNvSpPr>
+            <a:spLocks noGrp="1"/>
+          </p:cNvSpPr>
+          <p:nvPr>
+            <p:ph type="title"/>
+          </p:nvPr>
+        </p:nvSpPr>
+        <p:spPr/>
+        <p:txBody>
+          <a:bodyPr/>
+          <a:lstStyle/>
+          <a:p>
+            <a:r>
+              <a:rPr lang="en-US" dirty="0"/>
+              <a:t>Query performance</a:t>
+            </a:r>
+          </a:p>
+        </p:txBody>
+      </p:sp>
+      <p:sp>
+        <p:nvSpPr>
+          <p:cNvPr id="6" name="Content Placeholder 5"/>
+          <p:cNvSpPr>
+            <a:spLocks noGrp="1"/>
+          </p:cNvSpPr>
+          <p:nvPr>
+            <p:ph idx="1"/>
+          </p:nvPr>
+        </p:nvSpPr>
+        <p:spPr/>
+        <p:txBody>
+          <a:bodyPr/>
+          <a:lstStyle/>
+          <a:p>
+            <a:endParaRPr lang="en-US"/>
+          </a:p>
+        </p:txBody>
+      </p:sp>
+      <p:graphicFrame>
+        <p:nvGraphicFramePr>
+          <p:cNvPr id="7" name="Object 6"/>
+          <p:cNvGraphicFramePr>
+            <a:graphicFrameLocks noChangeAspect="1"/>
+          </p:cNvGraphicFramePr>
+          <p:nvPr>
+            <p:extLst>
+              <p:ext uri="{D42A27DB-BD31-4B8C-83A1-F6EECF244321}">
+                <p14:modId xmlns:p14="http://schemas.microsoft.com/office/powerpoint/2010/main" val="1972638729"/>
+              </p:ext>
+            </p:extLst>
+          </p:nvPr>
+        </p:nvGraphicFramePr>
+        <p:xfrm>
+          <a:off x="457200" y="1720418"/>
+          <a:ext cx="8686800" cy="5143867"/>
+        </p:xfrm>
+        <a:graphic>
+          <a:graphicData uri="http://schemas.openxmlformats.org/presentationml/2006/ole">
+            <mc:AlternateContent xmlns:mc="http://schemas.openxmlformats.org/markup-compatibility/2006">
+              <mc:Choice xmlns:v="urn:schemas-microsoft-com:vml" Requires="v">
+                <p:oleObj spid="_x0000_s1028" name="Image" r:id="rId3" imgW="3962160" imgH="2346840" progId="Photoshop.Image.18">
+                  <p:embed/>
+                </p:oleObj>
+              </mc:Choice>
+              <mc:Fallback>
+                <p:oleObj name="Image" r:id="rId3" imgW="3962160" imgH="2346840" progId="Photoshop.Image.18">
+                  <p:embed/>
+                  <p:pic>
+                    <p:nvPicPr>
+                      <p:cNvPr id="0" name=""/>
+                      <p:cNvPicPr/>
+                      <p:nvPr/>
+                    </p:nvPicPr>
+                    <p:blipFill>
+                      <a:blip r:embed="rId4"/>
+                      <a:stretch>
+                        <a:fillRect/>
+                      </a:stretch>
+                    </p:blipFill>
+                    <p:spPr>
+                      <a:xfrm>
+                        <a:off x="457200" y="1720418"/>
+                        <a:ext cx="8686800" cy="5143867"/>
+                      </a:xfrm>
+                      <a:prstGeom prst="rect">
+                        <a:avLst/>
+                      </a:prstGeom>
+                    </p:spPr>
+                  </p:pic>
+                </p:oleObj>
+              </mc:Fallback>
+            </mc:AlternateContent>
+          </a:graphicData>
+        </a:graphic>
+      </p:graphicFrame>
+    </p:spTree>
+    <p:extLst>
+      <p:ext uri="{BB962C8B-B14F-4D97-AF65-F5344CB8AC3E}">
+        <p14:creationId xmlns:p14="http://schemas.microsoft.com/office/powerpoint/2010/main" val="1540424757"/>
+      </p:ext>
+    </p:extLst>
+  </p:cSld>
+  <p:clrMapOvr>
+    <a:masterClrMapping/>
+  </p:clrMapOvr>
+</p:sld>
+</file>
+
+<file path=ppt/slides/slide11.xml><?xml version="1.0" encoding="utf-8"?>
+<p:sld xmlns:a="http://schemas.openxmlformats.org/drawingml/2006/main" xmlns:r="http://schemas.openxmlformats.org/officeDocument/2006/relationships" xmlns:p="http://schemas.openxmlformats.org/presentationml/2006/main">
+  <p:cSld>
+    <p:spTree>
+      <p:nvGrpSpPr>
+        <p:cNvPr id="1" name=""/>
+        <p:cNvGrpSpPr/>
+        <p:nvPr/>
+      </p:nvGrpSpPr>
+      <p:grpSpPr>
+        <a:xfrm>
+          <a:off x="0" y="0"/>
+          <a:ext cx="0" cy="0"/>
+          <a:chOff x="0" y="0"/>
+          <a:chExt cx="0" cy="0"/>
+        </a:xfrm>
+      </p:grpSpPr>
+      <p:sp>
+        <p:nvSpPr>
+          <p:cNvPr id="2" name="Title 1"/>
+          <p:cNvSpPr>
+            <a:spLocks noGrp="1"/>
+          </p:cNvSpPr>
+          <p:nvPr>
+            <p:ph type="title"/>
+          </p:nvPr>
+        </p:nvSpPr>
+        <p:spPr/>
+        <p:txBody>
+          <a:bodyPr/>
+          <a:lstStyle/>
+          <a:p>
+            <a:r>
+              <a:rPr lang="en-US" dirty="0"/>
+              <a:t>Data processing requirements</a:t>
+            </a:r>
+          </a:p>
+        </p:txBody>
+      </p:sp>
+      <p:sp>
+        <p:nvSpPr>
+          <p:cNvPr id="3" name="Content Placeholder 2"/>
+          <p:cNvSpPr>
+            <a:spLocks noGrp="1"/>
+          </p:cNvSpPr>
+          <p:nvPr>
+            <p:ph idx="1"/>
+          </p:nvPr>
+        </p:nvSpPr>
+        <p:spPr/>
+        <p:txBody>
+          <a:bodyPr>
+            <a:normAutofit lnSpcReduction="10000"/>
+          </a:bodyPr>
+          <a:lstStyle/>
+          <a:p>
+            <a:r>
+              <a:rPr lang="en-US" dirty="0"/>
+              <a:t>Data Ingestion </a:t>
+            </a:r>
+            <a:r>
+              <a:rPr lang="en-US" dirty="0">
+                <a:solidFill>
+                  <a:srgbClr val="00B050"/>
+                </a:solidFill>
+              </a:rPr>
+              <a:t>(Crickets. Bulk ~160k/sec)</a:t>
+            </a:r>
+          </a:p>
+          <a:p>
+            <a:r>
+              <a:rPr lang="en-US" dirty="0"/>
+              <a:t>Summarization (rollup), manipulation</a:t>
+            </a:r>
+          </a:p>
+          <a:p>
+            <a:r>
+              <a:rPr lang="en-US" dirty="0"/>
+              <a:t>Graphing, reporting </a:t>
+            </a:r>
+            <a:r>
+              <a:rPr lang="en-US" dirty="0">
+                <a:solidFill>
+                  <a:srgbClr val="00B050"/>
+                </a:solidFill>
+              </a:rPr>
+              <a:t>(</a:t>
+            </a:r>
+            <a:r>
+              <a:rPr lang="en-US" dirty="0" err="1">
+                <a:solidFill>
+                  <a:srgbClr val="00B050"/>
+                </a:solidFill>
+              </a:rPr>
+              <a:t>Grafana</a:t>
+            </a:r>
+            <a:r>
+              <a:rPr lang="en-US" dirty="0">
+                <a:solidFill>
+                  <a:srgbClr val="00B050"/>
+                </a:solidFill>
+              </a:rPr>
+              <a:t>, D3 app)</a:t>
+            </a:r>
+          </a:p>
+          <a:p>
+            <a:r>
+              <a:rPr lang="en-US" dirty="0"/>
+              <a:t>Retention policy </a:t>
+            </a:r>
+            <a:r>
+              <a:rPr lang="en-US" dirty="0">
+                <a:solidFill>
+                  <a:srgbClr val="00B050"/>
+                </a:solidFill>
+              </a:rPr>
+              <a:t>(</a:t>
+            </a:r>
+            <a:r>
+              <a:rPr lang="en-US" dirty="0" err="1">
+                <a:solidFill>
+                  <a:srgbClr val="00B050"/>
+                </a:solidFill>
+              </a:rPr>
+              <a:t>InfluxDB</a:t>
+            </a:r>
+            <a:r>
+              <a:rPr lang="en-US" dirty="0">
+                <a:solidFill>
+                  <a:srgbClr val="00B050"/>
+                </a:solidFill>
+              </a:rPr>
+              <a:t>, built in)</a:t>
+            </a:r>
+          </a:p>
+          <a:p>
+            <a:r>
+              <a:rPr lang="en-US" dirty="0"/>
+              <a:t>Resilient, scalable </a:t>
+            </a:r>
+            <a:r>
+              <a:rPr lang="en-US" dirty="0">
+                <a:solidFill>
+                  <a:srgbClr val="00B050"/>
+                </a:solidFill>
+              </a:rPr>
+              <a:t>(</a:t>
+            </a:r>
+            <a:r>
+              <a:rPr lang="en-US" dirty="0" err="1">
+                <a:solidFill>
+                  <a:srgbClr val="00B050"/>
+                </a:solidFill>
+              </a:rPr>
+              <a:t>InflxuDB</a:t>
+            </a:r>
+            <a:r>
+              <a:rPr lang="en-US" dirty="0">
+                <a:solidFill>
+                  <a:srgbClr val="00B050"/>
+                </a:solidFill>
+              </a:rPr>
+              <a:t>, built in)</a:t>
+            </a:r>
+          </a:p>
+          <a:p>
+            <a:r>
+              <a:rPr lang="en-US" dirty="0"/>
+              <a:t>Subscribe (update live feed)</a:t>
+            </a:r>
+          </a:p>
+          <a:p>
+            <a:r>
+              <a:rPr lang="en-US" dirty="0"/>
+              <a:t>Alerts (live update) </a:t>
+            </a:r>
+            <a:r>
+              <a:rPr lang="en-US" dirty="0">
+                <a:solidFill>
+                  <a:srgbClr val="00B050"/>
+                </a:solidFill>
+              </a:rPr>
+              <a:t>(</a:t>
+            </a:r>
+            <a:r>
+              <a:rPr lang="en-US" dirty="0" err="1">
+                <a:solidFill>
+                  <a:srgbClr val="00B050"/>
+                </a:solidFill>
+              </a:rPr>
+              <a:t>Kapacitor</a:t>
+            </a:r>
+            <a:r>
+              <a:rPr lang="en-US" dirty="0">
+                <a:solidFill>
+                  <a:srgbClr val="00B050"/>
+                </a:solidFill>
+              </a:rPr>
+              <a:t>)</a:t>
+            </a:r>
+          </a:p>
+          <a:p>
+            <a:r>
+              <a:rPr lang="en-US" dirty="0"/>
+              <a:t>Data science on streams</a:t>
+            </a:r>
+          </a:p>
+        </p:txBody>
+      </p:sp>
+    </p:spTree>
+    <p:extLst>
+      <p:ext uri="{BB962C8B-B14F-4D97-AF65-F5344CB8AC3E}">
+        <p14:creationId xmlns:p14="http://schemas.microsoft.com/office/powerpoint/2010/main" val="952423015"/>
+      </p:ext>
+    </p:extLst>
+  </p:cSld>
+  <p:clrMapOvr>
+    <a:masterClrMapping/>
+  </p:clrMapOvr>
+</p:sld>
+</file>
+
+<file path=ppt/slides/slide12.xml><?xml version="1.0" encoding="utf-8"?>
+<p:sld xmlns:a="http://schemas.openxmlformats.org/drawingml/2006/main" xmlns:r="http://schemas.openxmlformats.org/officeDocument/2006/relationships" xmlns:p="http://schemas.openxmlformats.org/presentationml/2006/main">
+  <p:cSld>
+    <p:spTree>
+      <p:nvGrpSpPr>
+        <p:cNvPr id="1" name=""/>
+        <p:cNvGrpSpPr/>
+        <p:nvPr/>
+      </p:nvGrpSpPr>
+      <p:grpSpPr>
+        <a:xfrm>
+          <a:off x="0" y="0"/>
+          <a:ext cx="0" cy="0"/>
+          <a:chOff x="0" y="0"/>
+          <a:chExt cx="0" cy="0"/>
+        </a:xfrm>
+      </p:grpSpPr>
+      <p:sp>
+        <p:nvSpPr>
+          <p:cNvPr id="2" name="Title 1"/>
+          <p:cNvSpPr>
+            <a:spLocks noGrp="1"/>
+          </p:cNvSpPr>
+          <p:nvPr>
+            <p:ph type="title"/>
+          </p:nvPr>
+        </p:nvSpPr>
+        <p:spPr>
+          <a:xfrm>
+            <a:off x="457200" y="274638"/>
+            <a:ext cx="8229600" cy="715962"/>
+          </a:xfrm>
+        </p:spPr>
+        <p:txBody>
+          <a:bodyPr>
+            <a:normAutofit fontScale="90000"/>
+          </a:bodyPr>
+          <a:lstStyle/>
+          <a:p>
+            <a:r>
+              <a:rPr lang="en-US" dirty="0"/>
+              <a:t>To Do’s</a:t>
+            </a:r>
+          </a:p>
+        </p:txBody>
+      </p:sp>
+      <p:sp>
+        <p:nvSpPr>
+          <p:cNvPr id="3" name="Content Placeholder 2"/>
+          <p:cNvSpPr>
+            <a:spLocks noGrp="1"/>
+          </p:cNvSpPr>
+          <p:nvPr>
+            <p:ph idx="1"/>
+          </p:nvPr>
+        </p:nvSpPr>
+        <p:spPr>
+          <a:xfrm>
+            <a:off x="457200" y="1219200"/>
+            <a:ext cx="8229600" cy="4906963"/>
+          </a:xfrm>
+        </p:spPr>
+        <p:txBody>
+          <a:bodyPr>
+            <a:normAutofit/>
+          </a:bodyPr>
+          <a:lstStyle/>
+          <a:p>
+            <a:r>
+              <a:rPr lang="en-US" dirty="0"/>
+              <a:t>Setup more crickets</a:t>
+            </a:r>
+          </a:p>
+          <a:p>
+            <a:r>
+              <a:rPr lang="en-US" dirty="0"/>
+              <a:t>Create aggregators</a:t>
+            </a:r>
+          </a:p>
+          <a:p>
+            <a:r>
+              <a:rPr lang="en-US" dirty="0"/>
+              <a:t>Use </a:t>
+            </a:r>
+            <a:r>
+              <a:rPr lang="en-US" dirty="0" err="1"/>
+              <a:t>Kapacitor</a:t>
+            </a:r>
+            <a:r>
+              <a:rPr lang="en-US" dirty="0"/>
+              <a:t> (alerts)</a:t>
+            </a:r>
+          </a:p>
+          <a:p>
+            <a:r>
+              <a:rPr lang="en-US" dirty="0"/>
+              <a:t>Notifications</a:t>
+            </a:r>
+          </a:p>
+          <a:p>
+            <a:r>
+              <a:rPr lang="en-US" dirty="0"/>
+              <a:t>Setup Spark streaming for ML (if time permits)</a:t>
+            </a:r>
+          </a:p>
+          <a:p>
+            <a:endParaRPr lang="en-US" dirty="0"/>
+          </a:p>
+        </p:txBody>
+      </p:sp>
+    </p:spTree>
+    <p:extLst>
+      <p:ext uri="{BB962C8B-B14F-4D97-AF65-F5344CB8AC3E}">
+        <p14:creationId xmlns:p14="http://schemas.microsoft.com/office/powerpoint/2010/main" val="2200647155"/>
+      </p:ext>
+    </p:extLst>
+  </p:cSld>
+  <p:clrMapOvr>
+    <a:masterClrMapping/>
+  </p:clrMapOvr>
+</p:sld>
+</file>
+
 <file path=ppt/slides/slide2.xml><?xml version="1.0" encoding="utf-8"?>
 <p:sld xmlns:a="http://schemas.openxmlformats.org/drawingml/2006/main" xmlns:r="http://schemas.openxmlformats.org/officeDocument/2006/relationships" xmlns:p="http://schemas.openxmlformats.org/presentationml/2006/main">
   <p:cSld>
@@ -3323,27 +3801,14 @@
           <a:p>
             <a:r>
               <a:rPr lang="en-US" dirty="0"/>
-              <a:t>Monitor, control </a:t>
-            </a:r>
-            <a:r>
-              <a:rPr lang="en-US" dirty="0" smtClean="0"/>
-              <a:t>end devices (SCADA</a:t>
-            </a:r>
-            <a:r>
-              <a:rPr lang="en-US" dirty="0"/>
-              <a:t>)</a:t>
-            </a:r>
-          </a:p>
-          <a:p>
-            <a:r>
-              <a:rPr lang="en-US" dirty="0"/>
-              <a:t>Alerts, troubleshooting, </a:t>
-            </a:r>
-            <a:r>
-              <a:rPr lang="en-US" dirty="0" smtClean="0"/>
-              <a:t>respond</a:t>
-            </a:r>
-            <a:endParaRPr lang="en-US" dirty="0"/>
+              <a:t>Monitor, control end devices (SCADA)</a:t>
+            </a:r>
+          </a:p>
+          <a:p>
+            <a:r>
+              <a:rPr lang="en-US" dirty="0"/>
+              <a:t>Alerts, troubleshooting, respond</a:t>
+            </a:r>
           </a:p>
           <a:p>
             <a:r>
@@ -3414,10 +3879,9 @@
           <a:lstStyle/>
           <a:p>
             <a:r>
-              <a:rPr lang="en-US" dirty="0" smtClean="0"/>
+              <a:rPr lang="en-US" dirty="0"/>
               <a:t>Data processing requirements</a:t>
             </a:r>
-            <a:endParaRPr lang="en-US" dirty="0"/>
           </a:p>
         </p:txBody>
       </p:sp>
@@ -3433,51 +3897,62 @@
         </p:nvSpPr>
         <p:spPr/>
         <p:txBody>
-          <a:bodyPr/>
-          <a:lstStyle/>
-          <a:p>
-            <a:r>
-              <a:rPr lang="en-US" dirty="0" smtClean="0"/>
+          <a:bodyPr>
+            <a:normAutofit lnSpcReduction="10000"/>
+          </a:bodyPr>
+          <a:lstStyle/>
+          <a:p>
+            <a:r>
+              <a:rPr lang="en-US" dirty="0"/>
               <a:t>Data Ingestion</a:t>
             </a:r>
-            <a:endParaRPr lang="en-US" dirty="0"/>
-          </a:p>
-          <a:p>
-            <a:r>
-              <a:rPr lang="en-US" dirty="0" smtClean="0"/>
+          </a:p>
+          <a:p>
+            <a:r>
+              <a:rPr lang="en-US" dirty="0"/>
               <a:t>Summarization (rollup), manipulation</a:t>
             </a:r>
-            <a:endParaRPr lang="en-US" dirty="0"/>
-          </a:p>
-          <a:p>
-            <a:r>
-              <a:rPr lang="en-US" dirty="0" smtClean="0"/>
+          </a:p>
+          <a:p>
+            <a:r>
+              <a:rPr lang="en-US" dirty="0"/>
               <a:t>Graphing, reporting</a:t>
             </a:r>
-            <a:endParaRPr lang="en-US" dirty="0"/>
-          </a:p>
-          <a:p>
-            <a:r>
-              <a:rPr lang="en-US" dirty="0"/>
-              <a:t>Subscribe (update live feed</a:t>
-            </a:r>
-            <a:r>
-              <a:rPr lang="en-US" dirty="0" smtClean="0"/>
-              <a:t>)</a:t>
-            </a:r>
-          </a:p>
-          <a:p>
-            <a:r>
-              <a:rPr lang="en-US" dirty="0" smtClean="0"/>
+          </a:p>
+          <a:p>
+            <a:r>
+              <a:rPr lang="en-US" dirty="0"/>
+              <a:t>Retention policy </a:t>
+            </a:r>
+          </a:p>
+          <a:p>
+            <a:r>
+              <a:rPr lang="en-US" dirty="0"/>
+              <a:t>Resilient, scalable </a:t>
+            </a:r>
+            <a:endParaRPr lang="en-US" dirty="0">
+              <a:solidFill>
+                <a:srgbClr val="00B050"/>
+              </a:solidFill>
+            </a:endParaRPr>
+          </a:p>
+          <a:p>
+            <a:r>
+              <a:rPr lang="en-US" dirty="0"/>
+              <a:t>Subscribe (update live feed)</a:t>
+            </a:r>
+          </a:p>
+          <a:p>
+            <a:r>
+              <a:rPr lang="en-US" dirty="0"/>
               <a:t>Alerts (live update)</a:t>
             </a:r>
           </a:p>
           <a:p>
             <a:r>
-              <a:rPr lang="en-US" dirty="0" smtClean="0"/>
+              <a:rPr lang="en-US" dirty="0"/>
               <a:t>Data science on streams</a:t>
             </a:r>
-            <a:endParaRPr lang="en-US" dirty="0"/>
           </a:p>
         </p:txBody>
       </p:sp>
@@ -3527,10 +4002,9 @@
           <a:lstStyle/>
           <a:p>
             <a:r>
-              <a:rPr lang="en-US" dirty="0" smtClean="0"/>
+              <a:rPr lang="en-US" dirty="0"/>
               <a:t>Technology stack</a:t>
             </a:r>
-            <a:endParaRPr lang="en-US" dirty="0"/>
           </a:p>
         </p:txBody>
       </p:sp>
@@ -3552,76 +4026,72 @@
           <a:lstStyle/>
           <a:p>
             <a:r>
-              <a:rPr lang="en-US" dirty="0" smtClean="0"/>
+              <a:rPr lang="en-US" dirty="0"/>
               <a:t>Time series database (</a:t>
             </a:r>
             <a:r>
-              <a:rPr lang="en-US" dirty="0" err="1" smtClean="0"/>
+              <a:rPr lang="en-US" dirty="0" err="1"/>
               <a:t>influxDB</a:t>
             </a:r>
             <a:r>
-              <a:rPr lang="en-US" dirty="0" smtClean="0"/>
+              <a:rPr lang="en-US" dirty="0"/>
               <a:t>)</a:t>
             </a:r>
           </a:p>
           <a:p>
             <a:r>
-              <a:rPr lang="en-US" dirty="0" err="1" smtClean="0"/>
+              <a:rPr lang="en-US" dirty="0" err="1"/>
               <a:t>Telegraf</a:t>
             </a:r>
             <a:r>
-              <a:rPr lang="en-US" dirty="0" smtClean="0"/>
+              <a:rPr lang="en-US" dirty="0"/>
               <a:t> (ingestion)</a:t>
             </a:r>
           </a:p>
           <a:p>
             <a:r>
-              <a:rPr lang="en-US" dirty="0" err="1" smtClean="0"/>
+              <a:rPr lang="en-US" dirty="0" err="1"/>
               <a:t>Kapacitor</a:t>
             </a:r>
             <a:r>
-              <a:rPr lang="en-US" dirty="0" smtClean="0"/>
+              <a:rPr lang="en-US" dirty="0"/>
               <a:t> (Alerts calculation, aggregation? &amp; notification)</a:t>
             </a:r>
           </a:p>
           <a:p>
             <a:r>
-              <a:rPr lang="en-US" dirty="0" err="1" smtClean="0"/>
+              <a:rPr lang="en-US" dirty="0" err="1"/>
               <a:t>Grafana</a:t>
             </a:r>
             <a:r>
-              <a:rPr lang="en-US" dirty="0" smtClean="0"/>
+              <a:rPr lang="en-US" dirty="0"/>
               <a:t> (Visualization)</a:t>
             </a:r>
           </a:p>
           <a:p>
             <a:r>
-              <a:rPr lang="en-US" dirty="0" err="1" smtClean="0"/>
+              <a:rPr lang="en-US" dirty="0"/>
+              <a:t>Spark Streaming? (Machine learning)</a:t>
+            </a:r>
+          </a:p>
+          <a:p>
+            <a:r>
+              <a:rPr lang="en-US" dirty="0"/>
+              <a:t>Load balancer (</a:t>
+            </a:r>
+            <a:r>
+              <a:rPr lang="en-US" dirty="0" err="1"/>
               <a:t>Softlayer</a:t>
             </a:r>
             <a:r>
-              <a:rPr lang="en-US" dirty="0" smtClean="0"/>
-              <a:t> queues (scalable, resilient ingestion)</a:t>
-            </a:r>
-          </a:p>
-          <a:p>
-            <a:r>
-              <a:rPr lang="en-US" dirty="0" smtClean="0"/>
-              <a:t>Spark Streaming? (Machine learning)</a:t>
-            </a:r>
-          </a:p>
-          <a:p>
-            <a:r>
-              <a:rPr lang="en-US" dirty="0" smtClean="0"/>
-              <a:t>Load balancer (</a:t>
-            </a:r>
-            <a:r>
-              <a:rPr lang="en-US" dirty="0" err="1" smtClean="0"/>
-              <a:t>Softlayer</a:t>
-            </a:r>
-            <a:r>
-              <a:rPr lang="en-US" dirty="0" smtClean="0"/>
+              <a:rPr lang="en-US" dirty="0"/>
               <a:t>)</a:t>
+            </a:r>
+          </a:p>
+          <a:p>
+            <a:r>
+              <a:rPr lang="en-US" dirty="0"/>
+              <a:t>VSs for load simulation. Historical SCADA data</a:t>
             </a:r>
           </a:p>
           <a:p>
@@ -3682,18 +4152,17 @@
           <a:lstStyle/>
           <a:p>
             <a:r>
-              <a:rPr lang="en-US" dirty="0" smtClean="0"/>
+              <a:rPr lang="en-US" dirty="0"/>
               <a:t>Architecture overview</a:t>
             </a:r>
-            <a:endParaRPr lang="en-US" dirty="0"/>
           </a:p>
         </p:txBody>
       </p:sp>
       <p:pic>
         <p:nvPicPr>
-          <p:cNvPr id="1026" name="Picture 2" descr="C:\Users\rgvirtsman\Downloads\AgI - high availability.png"/>
+          <p:cNvPr id="4" name="Picture 3"/>
           <p:cNvPicPr>
-            <a:picLocks noChangeAspect="1" noChangeArrowheads="1"/>
+            <a:picLocks noChangeAspect="1"/>
           </p:cNvPicPr>
           <p:nvPr/>
         </p:nvPicPr>
@@ -3705,29 +4174,18 @@
               </a:ext>
             </a:extLst>
           </a:blip>
-          <a:srcRect/>
           <a:stretch>
             <a:fillRect/>
           </a:stretch>
         </p:blipFill>
-        <p:spPr bwMode="auto">
+        <p:spPr>
           <a:xfrm>
-            <a:off x="1981200" y="609600"/>
+            <a:off x="1676400" y="533400"/>
             <a:ext cx="5334000" cy="6086475"/>
           </a:xfrm>
           <a:prstGeom prst="rect">
             <a:avLst/>
           </a:prstGeom>
-          <a:noFill/>
-          <a:extLst>
-            <a:ext uri="{909E8E84-426E-40DD-AFC4-6F175D3DCCD1}">
-              <a14:hiddenFill xmlns:a14="http://schemas.microsoft.com/office/drawing/2010/main">
-                <a:solidFill>
-                  <a:srgbClr val="FFFFFF"/>
-                </a:solidFill>
-              </a14:hiddenFill>
-            </a:ext>
-          </a:extLst>
         </p:spPr>
       </p:pic>
     </p:spTree>
@@ -3773,7 +4231,7 @@
         <p:spPr>
           <a:xfrm>
             <a:off x="457200" y="274638"/>
-            <a:ext cx="8229600" cy="715962"/>
+            <a:ext cx="8229600" cy="639762"/>
           </a:xfrm>
         </p:spPr>
         <p:txBody>
@@ -3783,73 +4241,286 @@
           <a:lstStyle/>
           <a:p>
             <a:r>
-              <a:rPr lang="en-US" dirty="0" smtClean="0"/>
-              <a:t>To Do’s</a:t>
-            </a:r>
-            <a:endParaRPr lang="en-US" dirty="0"/>
-          </a:p>
-        </p:txBody>
-      </p:sp>
-      <p:sp>
-        <p:nvSpPr>
-          <p:cNvPr id="3" name="Content Placeholder 2"/>
-          <p:cNvSpPr>
-            <a:spLocks noGrp="1"/>
-          </p:cNvSpPr>
+              <a:rPr lang="en-US" dirty="0"/>
+              <a:t>Deployment diagram</a:t>
+            </a:r>
+          </a:p>
+        </p:txBody>
+      </p:sp>
+      <p:pic>
+        <p:nvPicPr>
+          <p:cNvPr id="9" name="Content Placeholder 8"/>
+          <p:cNvPicPr>
+            <a:picLocks noGrp="1" noChangeAspect="1"/>
+          </p:cNvPicPr>
           <p:nvPr>
             <p:ph idx="1"/>
           </p:nvPr>
-        </p:nvSpPr>
+        </p:nvPicPr>
+        <p:blipFill>
+          <a:blip r:embed="rId2">
+            <a:extLst>
+              <a:ext uri="{28A0092B-C50C-407E-A947-70E740481C1C}">
+                <a14:useLocalDpi xmlns:a14="http://schemas.microsoft.com/office/drawing/2010/main" val="0"/>
+              </a:ext>
+            </a:extLst>
+          </a:blip>
+          <a:stretch>
+            <a:fillRect/>
+          </a:stretch>
+        </p:blipFill>
         <p:spPr>
           <a:xfrm>
-            <a:off x="457200" y="1219200"/>
-            <a:ext cx="8229600" cy="4906963"/>
+            <a:off x="1905000" y="1078692"/>
+            <a:ext cx="5715000" cy="5966763"/>
           </a:xfrm>
         </p:spPr>
-        <p:txBody>
-          <a:bodyPr>
-            <a:normAutofit/>
-          </a:bodyPr>
-          <a:lstStyle/>
-          <a:p>
-            <a:r>
-              <a:rPr lang="en-US" dirty="0" smtClean="0"/>
-              <a:t>Setup minions</a:t>
-            </a:r>
-          </a:p>
-          <a:p>
-            <a:r>
-              <a:rPr lang="en-US" dirty="0" smtClean="0"/>
-              <a:t>Create graphs</a:t>
-            </a:r>
-          </a:p>
-          <a:p>
-            <a:r>
-              <a:rPr lang="en-US" dirty="0" smtClean="0"/>
-              <a:t>??</a:t>
-            </a:r>
-          </a:p>
-          <a:p>
-            <a:r>
-              <a:rPr lang="en-US" dirty="0" smtClean="0"/>
-              <a:t>??</a:t>
-            </a:r>
-          </a:p>
-          <a:p>
-            <a:r>
-              <a:rPr lang="en-US" dirty="0" smtClean="0"/>
-              <a:t>??</a:t>
-            </a:r>
-          </a:p>
-          <a:p>
-            <a:endParaRPr lang="en-US" dirty="0"/>
-          </a:p>
-        </p:txBody>
-      </p:sp>
+      </p:pic>
     </p:spTree>
     <p:extLst>
       <p:ext uri="{BB962C8B-B14F-4D97-AF65-F5344CB8AC3E}">
-        <p14:creationId xmlns:p14="http://schemas.microsoft.com/office/powerpoint/2010/main" val="2200647155"/>
+        <p14:creationId xmlns:p14="http://schemas.microsoft.com/office/powerpoint/2010/main" val="3930804205"/>
+      </p:ext>
+    </p:extLst>
+  </p:cSld>
+  <p:clrMapOvr>
+    <a:masterClrMapping/>
+  </p:clrMapOvr>
+</p:sld>
+</file>
+
+<file path=ppt/slides/slide8.xml><?xml version="1.0" encoding="utf-8"?>
+<p:sld xmlns:a="http://schemas.openxmlformats.org/drawingml/2006/main" xmlns:r="http://schemas.openxmlformats.org/officeDocument/2006/relationships" xmlns:p="http://schemas.openxmlformats.org/presentationml/2006/main">
+  <p:cSld>
+    <p:spTree>
+      <p:nvGrpSpPr>
+        <p:cNvPr id="1" name=""/>
+        <p:cNvGrpSpPr/>
+        <p:nvPr/>
+      </p:nvGrpSpPr>
+      <p:grpSpPr>
+        <a:xfrm>
+          <a:off x="0" y="0"/>
+          <a:ext cx="0" cy="0"/>
+          <a:chOff x="0" y="0"/>
+          <a:chExt cx="0" cy="0"/>
+        </a:xfrm>
+      </p:grpSpPr>
+      <p:sp>
+        <p:nvSpPr>
+          <p:cNvPr id="2" name="Title 1"/>
+          <p:cNvSpPr>
+            <a:spLocks noGrp="1"/>
+          </p:cNvSpPr>
+          <p:nvPr>
+            <p:ph type="title"/>
+          </p:nvPr>
+        </p:nvSpPr>
+        <p:spPr/>
+        <p:txBody>
+          <a:bodyPr/>
+          <a:lstStyle/>
+          <a:p>
+            <a:r>
+              <a:rPr lang="en-US" dirty="0"/>
+              <a:t>Cluster monitor</a:t>
+            </a:r>
+          </a:p>
+        </p:txBody>
+      </p:sp>
+      <p:graphicFrame>
+        <p:nvGraphicFramePr>
+          <p:cNvPr id="4" name="Object 3"/>
+          <p:cNvGraphicFramePr>
+            <a:graphicFrameLocks noChangeAspect="1"/>
+          </p:cNvGraphicFramePr>
+          <p:nvPr>
+            <p:extLst>
+              <p:ext uri="{D42A27DB-BD31-4B8C-83A1-F6EECF244321}">
+                <p14:modId xmlns:p14="http://schemas.microsoft.com/office/powerpoint/2010/main" val="1042462412"/>
+              </p:ext>
+            </p:extLst>
+          </p:nvPr>
+        </p:nvGraphicFramePr>
+        <p:xfrm>
+          <a:off x="838200" y="1295400"/>
+          <a:ext cx="7238554" cy="5426266"/>
+        </p:xfrm>
+        <a:graphic>
+          <a:graphicData uri="http://schemas.openxmlformats.org/presentationml/2006/ole">
+            <mc:AlternateContent xmlns:mc="http://schemas.openxmlformats.org/markup-compatibility/2006">
+              <mc:Choice xmlns:v="urn:schemas-microsoft-com:vml" Requires="v">
+                <p:oleObj spid="_x0000_s2052" name="Image" r:id="rId3" imgW="12476160" imgH="9352080" progId="Photoshop.Image.18">
+                  <p:embed/>
+                </p:oleObj>
+              </mc:Choice>
+              <mc:Fallback>
+                <p:oleObj name="Image" r:id="rId3" imgW="12476160" imgH="9352080" progId="Photoshop.Image.18">
+                  <p:embed/>
+                  <p:pic>
+                    <p:nvPicPr>
+                      <p:cNvPr id="0" name=""/>
+                      <p:cNvPicPr/>
+                      <p:nvPr/>
+                    </p:nvPicPr>
+                    <p:blipFill>
+                      <a:blip r:embed="rId4"/>
+                      <a:stretch>
+                        <a:fillRect/>
+                      </a:stretch>
+                    </p:blipFill>
+                    <p:spPr>
+                      <a:xfrm>
+                        <a:off x="838200" y="1295400"/>
+                        <a:ext cx="7238554" cy="5426266"/>
+                      </a:xfrm>
+                      <a:prstGeom prst="rect">
+                        <a:avLst/>
+                      </a:prstGeom>
+                    </p:spPr>
+                  </p:pic>
+                </p:oleObj>
+              </mc:Fallback>
+            </mc:AlternateContent>
+          </a:graphicData>
+        </a:graphic>
+      </p:graphicFrame>
+    </p:spTree>
+    <p:extLst>
+      <p:ext uri="{BB962C8B-B14F-4D97-AF65-F5344CB8AC3E}">
+        <p14:creationId xmlns:p14="http://schemas.microsoft.com/office/powerpoint/2010/main" val="3870100492"/>
+      </p:ext>
+    </p:extLst>
+  </p:cSld>
+  <p:clrMapOvr>
+    <a:masterClrMapping/>
+  </p:clrMapOvr>
+</p:sld>
+</file>
+
+<file path=ppt/slides/slide9.xml><?xml version="1.0" encoding="utf-8"?>
+<p:sld xmlns:a="http://schemas.openxmlformats.org/drawingml/2006/main" xmlns:r="http://schemas.openxmlformats.org/officeDocument/2006/relationships" xmlns:p="http://schemas.openxmlformats.org/presentationml/2006/main">
+  <p:cSld>
+    <p:spTree>
+      <p:nvGrpSpPr>
+        <p:cNvPr id="1" name=""/>
+        <p:cNvGrpSpPr/>
+        <p:nvPr/>
+      </p:nvGrpSpPr>
+      <p:grpSpPr>
+        <a:xfrm>
+          <a:off x="0" y="0"/>
+          <a:ext cx="0" cy="0"/>
+          <a:chOff x="0" y="0"/>
+          <a:chExt cx="0" cy="0"/>
+        </a:xfrm>
+      </p:grpSpPr>
+      <p:sp>
+        <p:nvSpPr>
+          <p:cNvPr id="2" name="Title 1"/>
+          <p:cNvSpPr>
+            <a:spLocks noGrp="1"/>
+          </p:cNvSpPr>
+          <p:nvPr>
+            <p:ph type="title"/>
+          </p:nvPr>
+        </p:nvSpPr>
+        <p:spPr/>
+        <p:txBody>
+          <a:bodyPr/>
+          <a:lstStyle/>
+          <a:p>
+            <a:r>
+              <a:rPr lang="en-US" dirty="0" err="1"/>
+              <a:t>Grafana</a:t>
+            </a:r>
+            <a:r>
+              <a:rPr lang="en-US" dirty="0"/>
+              <a:t> Dashboard: Monitoring</a:t>
+            </a:r>
+          </a:p>
+        </p:txBody>
+      </p:sp>
+      <p:sp>
+        <p:nvSpPr>
+          <p:cNvPr id="3" name="Content Placeholder 2"/>
+          <p:cNvSpPr>
+            <a:spLocks noGrp="1"/>
+          </p:cNvSpPr>
+          <p:nvPr>
+            <p:ph idx="1"/>
+          </p:nvPr>
+        </p:nvSpPr>
+        <p:spPr/>
+        <p:txBody>
+          <a:bodyPr/>
+          <a:lstStyle/>
+          <a:p>
+            <a:endParaRPr lang="en-US"/>
+          </a:p>
+        </p:txBody>
+      </p:sp>
+      <p:graphicFrame>
+        <p:nvGraphicFramePr>
+          <p:cNvPr id="4" name="Object 3"/>
+          <p:cNvGraphicFramePr>
+            <a:graphicFrameLocks noChangeAspect="1"/>
+          </p:cNvGraphicFramePr>
+          <p:nvPr>
+            <p:extLst>
+              <p:ext uri="{D42A27DB-BD31-4B8C-83A1-F6EECF244321}">
+                <p14:modId xmlns:p14="http://schemas.microsoft.com/office/powerpoint/2010/main" val="1281361592"/>
+              </p:ext>
+            </p:extLst>
+          </p:nvPr>
+        </p:nvGraphicFramePr>
+        <p:xfrm>
+          <a:off x="133751" y="1219200"/>
+          <a:ext cx="9014177" cy="5070475"/>
+        </p:xfrm>
+        <a:graphic>
+          <a:graphicData uri="http://schemas.openxmlformats.org/presentationml/2006/ole">
+            <mc:AlternateContent xmlns:mc="http://schemas.openxmlformats.org/markup-compatibility/2006">
+              <mc:Choice xmlns:v="urn:schemas-microsoft-com:vml" Requires="v">
+                <p:oleObj spid="_x0000_s3076" name="Image" r:id="rId3" imgW="18285480" imgH="10285560" progId="Photoshop.Image.18">
+                  <p:embed/>
+                </p:oleObj>
+              </mc:Choice>
+              <mc:Fallback>
+                <p:oleObj name="Image" r:id="rId3" imgW="18285480" imgH="10285560" progId="Photoshop.Image.18">
+                  <p:embed/>
+                  <p:pic>
+                    <p:nvPicPr>
+                      <p:cNvPr id="0" name=""/>
+                      <p:cNvPicPr/>
+                      <p:nvPr/>
+                    </p:nvPicPr>
+                    <p:blipFill>
+                      <a:blip r:embed="rId4"/>
+                      <a:stretch>
+                        <a:fillRect/>
+                      </a:stretch>
+                    </p:blipFill>
+                    <p:spPr>
+                      <a:xfrm>
+                        <a:off x="133751" y="1219200"/>
+                        <a:ext cx="9014177" cy="5070475"/>
+                      </a:xfrm>
+                      <a:prstGeom prst="rect">
+                        <a:avLst/>
+                      </a:prstGeom>
+                    </p:spPr>
+                  </p:pic>
+                </p:oleObj>
+              </mc:Fallback>
+            </mc:AlternateContent>
+          </a:graphicData>
+        </a:graphic>
+      </p:graphicFrame>
+    </p:spTree>
+    <p:extLst>
+      <p:ext uri="{BB962C8B-B14F-4D97-AF65-F5344CB8AC3E}">
+        <p14:creationId xmlns:p14="http://schemas.microsoft.com/office/powerpoint/2010/main" val="4189295640"/>
       </p:ext>
     </p:extLst>
   </p:cSld>
